--- a/final project/Part_1-4.pptx
+++ b/final project/Part_1-4.pptx
@@ -10905,8 +10905,8 @@
           <a:chExt cx="0" cy="0"/>
         </a:xfrm>
       </p:grpSpPr>
-      <mc:AlternateContent xmlns:mc="http://schemas.openxmlformats.org/markup-compatibility/2006">
-        <mc:Choice xmlns:a14="http://schemas.microsoft.com/office/drawing/2010/main" Requires="a14">
+      <mc:AlternateContent xmlns:mc="http://schemas.openxmlformats.org/markup-compatibility/2006" xmlns:a14="http://schemas.microsoft.com/office/drawing/2010/main">
+        <mc:Choice Requires="a14">
           <p:sp>
             <p:nvSpPr>
               <p:cNvPr id="2" name="Inhaltsplatzhalter 1"/>
@@ -10963,6 +10963,7 @@
                 </a:r>
               </a:p>
               <a:p>
+                <a:pPr/>
                 <a14:m>
                   <m:oMathPara xmlns:m="http://schemas.openxmlformats.org/officeDocument/2006/math">
                     <m:oMathParaPr>
@@ -11019,7 +11020,13 @@
                             <a:rPr lang="de-DE" altLang="zh-CN" sz="1800" b="0" i="1" smtClean="0">
                               <a:latin typeface="Cambria Math" panose="02040503050406030204" pitchFamily="18" charset="0"/>
                             </a:rPr>
-                            <m:t>1−</m:t>
+                            <m:t>1</m:t>
+                          </m:r>
+                          <m:r>
+                            <a:rPr lang="de-DE" altLang="zh-CN" sz="1800" b="0" i="1" smtClean="0">
+                              <a:latin typeface="Cambria Math" panose="02040503050406030204" pitchFamily="18" charset="0"/>
+                            </a:rPr>
+                            <m:t>−</m:t>
                           </m:r>
                           <m:func>
                             <m:funcPr>
@@ -11162,7 +11169,7 @@
             </p:txBody>
           </p:sp>
         </mc:Choice>
-        <mc:Fallback>
+        <mc:Fallback xmlns="">
           <p:sp>
             <p:nvSpPr>
               <p:cNvPr id="2" name="Inhaltsplatzhalter 1"/>
@@ -12463,7 +12470,7 @@
               <a:rPr lang="en-US" altLang="zh-CN" sz="1800" dirty="0">
                 <a:latin typeface="+mn-lt"/>
               </a:rPr>
-              <a:t>Using the predictions of ANN, fit the 3 parameters for both scenarios: bottleneck and ring.</a:t>
+              <a:t>Using the ANN predictions / actual values, fit the 3 parameters for both scenarios: bottleneck and ring.</a:t>
             </a:r>
           </a:p>
         </p:txBody>
@@ -14570,7 +14577,13 @@
                             <a:rPr lang="de-DE" b="0" i="1" smtClean="0">
                               <a:latin typeface="Cambria Math" panose="02040503050406030204" pitchFamily="18" charset="0"/>
                             </a:rPr>
-                            <m:t>1−</m:t>
+                            <m:t>1</m:t>
+                          </m:r>
+                          <m:r>
+                            <a:rPr lang="de-DE" b="0" i="1" smtClean="0">
+                              <a:latin typeface="Cambria Math" panose="02040503050406030204" pitchFamily="18" charset="0"/>
+                            </a:rPr>
+                            <m:t>−</m:t>
                           </m:r>
                           <m:func>
                             <m:funcPr>
